--- a/presentation/Data Scientists Code Development Workshop I.pptx
+++ b/presentation/Data Scientists Code Development Workshop I.pptx
@@ -236,7 +236,7 @@
           <a:p>
             <a:fld id="{65FFCDBD-CA59-4630-A321-AAB6528E28B1}" type="datetimeFigureOut">
               <a:rPr lang="en-US" smtClean="0"/>
-              <a:t>5/31/2020</a:t>
+              <a:t>6/1/2020</a:t>
             </a:fld>
             <a:endParaRPr lang="en-US"/>
           </a:p>
@@ -588,6 +588,90 @@
 </p:notes>
 </file>
 
+<file path=ppt/notesSlides/notesSlide2.xml><?xml version="1.0" encoding="utf-8"?>
+<p:notes xmlns:a="http://schemas.openxmlformats.org/drawingml/2006/main" xmlns:r="http://schemas.openxmlformats.org/officeDocument/2006/relationships" xmlns:p="http://schemas.openxmlformats.org/presentationml/2006/main">
+  <p:cSld>
+    <p:spTree>
+      <p:nvGrpSpPr>
+        <p:cNvPr id="1" name=""/>
+        <p:cNvGrpSpPr/>
+        <p:nvPr/>
+      </p:nvGrpSpPr>
+      <p:grpSpPr>
+        <a:xfrm>
+          <a:off x="0" y="0"/>
+          <a:ext cx="0" cy="0"/>
+          <a:chOff x="0" y="0"/>
+          <a:chExt cx="0" cy="0"/>
+        </a:xfrm>
+      </p:grpSpPr>
+      <p:sp>
+        <p:nvSpPr>
+          <p:cNvPr id="2" name="Slide Image Placeholder 1"/>
+          <p:cNvSpPr>
+            <a:spLocks noGrp="1" noRot="1" noChangeAspect="1"/>
+          </p:cNvSpPr>
+          <p:nvPr>
+            <p:ph type="sldImg"/>
+          </p:nvPr>
+        </p:nvSpPr>
+        <p:spPr/>
+      </p:sp>
+      <p:sp>
+        <p:nvSpPr>
+          <p:cNvPr id="3" name="Notes Placeholder 2"/>
+          <p:cNvSpPr>
+            <a:spLocks noGrp="1"/>
+          </p:cNvSpPr>
+          <p:nvPr>
+            <p:ph type="body" idx="1"/>
+          </p:nvPr>
+        </p:nvSpPr>
+        <p:spPr/>
+        <p:txBody>
+          <a:bodyPr/>
+          <a:lstStyle/>
+          <a:p>
+            <a:endParaRPr lang="en-US" dirty="0"/>
+          </a:p>
+        </p:txBody>
+      </p:sp>
+      <p:sp>
+        <p:nvSpPr>
+          <p:cNvPr id="4" name="Slide Number Placeholder 3"/>
+          <p:cNvSpPr>
+            <a:spLocks noGrp="1"/>
+          </p:cNvSpPr>
+          <p:nvPr>
+            <p:ph type="sldNum" sz="quarter" idx="10"/>
+          </p:nvPr>
+        </p:nvSpPr>
+        <p:spPr/>
+        <p:txBody>
+          <a:bodyPr/>
+          <a:lstStyle/>
+          <a:p>
+            <a:fld id="{56E96ED2-9A2D-45DF-B126-5A7D8CC2E4B1}" type="slidenum">
+              <a:rPr lang="en-US" smtClean="0"/>
+              <a:t>26</a:t>
+            </a:fld>
+            <a:endParaRPr lang="en-US"/>
+          </a:p>
+        </p:txBody>
+      </p:sp>
+    </p:spTree>
+    <p:extLst>
+      <p:ext uri="{BB962C8B-B14F-4D97-AF65-F5344CB8AC3E}">
+        <p14:creationId xmlns:p14="http://schemas.microsoft.com/office/powerpoint/2010/main" val="1222207596"/>
+      </p:ext>
+    </p:extLst>
+  </p:cSld>
+  <p:clrMapOvr>
+    <a:masterClrMapping/>
+  </p:clrMapOvr>
+</p:notes>
+</file>
+
 <file path=ppt/slideLayouts/slideLayout1.xml><?xml version="1.0" encoding="utf-8"?>
 <p:sldLayout xmlns:a="http://schemas.openxmlformats.org/drawingml/2006/main" xmlns:r="http://schemas.openxmlformats.org/officeDocument/2006/relationships" xmlns:p="http://schemas.openxmlformats.org/presentationml/2006/main" type="title" preserve="1">
   <p:cSld name="Title Slide">
@@ -719,7 +803,7 @@
           <a:p>
             <a:fld id="{BA72A7E1-1664-4426-A954-E74E52AF2254}" type="datetimeFigureOut">
               <a:rPr lang="en-US" smtClean="0"/>
-              <a:t>5/31/2020</a:t>
+              <a:t>6/1/2020</a:t>
             </a:fld>
             <a:endParaRPr lang="en-US"/>
           </a:p>
@@ -895,7 +979,7 @@
           <a:p>
             <a:fld id="{BA72A7E1-1664-4426-A954-E74E52AF2254}" type="datetimeFigureOut">
               <a:rPr lang="en-US" smtClean="0"/>
-              <a:t>5/31/2020</a:t>
+              <a:t>6/1/2020</a:t>
             </a:fld>
             <a:endParaRPr lang="en-US"/>
           </a:p>
@@ -1075,7 +1159,7 @@
           <a:p>
             <a:fld id="{BA72A7E1-1664-4426-A954-E74E52AF2254}" type="datetimeFigureOut">
               <a:rPr lang="en-US" smtClean="0"/>
-              <a:t>5/31/2020</a:t>
+              <a:t>6/1/2020</a:t>
             </a:fld>
             <a:endParaRPr lang="en-US"/>
           </a:p>
@@ -1245,7 +1329,7 @@
           <a:p>
             <a:fld id="{BA72A7E1-1664-4426-A954-E74E52AF2254}" type="datetimeFigureOut">
               <a:rPr lang="en-US" smtClean="0"/>
-              <a:t>5/31/2020</a:t>
+              <a:t>6/1/2020</a:t>
             </a:fld>
             <a:endParaRPr lang="en-US"/>
           </a:p>
@@ -1497,7 +1581,7 @@
           <a:p>
             <a:fld id="{BA72A7E1-1664-4426-A954-E74E52AF2254}" type="datetimeFigureOut">
               <a:rPr lang="en-US" smtClean="0"/>
-              <a:t>5/31/2020</a:t>
+              <a:t>6/1/2020</a:t>
             </a:fld>
             <a:endParaRPr lang="en-US"/>
           </a:p>
@@ -1735,7 +1819,7 @@
           <a:p>
             <a:fld id="{BA72A7E1-1664-4426-A954-E74E52AF2254}" type="datetimeFigureOut">
               <a:rPr lang="en-US" smtClean="0"/>
-              <a:t>5/31/2020</a:t>
+              <a:t>6/1/2020</a:t>
             </a:fld>
             <a:endParaRPr lang="en-US"/>
           </a:p>
@@ -2108,7 +2192,7 @@
           <a:p>
             <a:fld id="{BA72A7E1-1664-4426-A954-E74E52AF2254}" type="datetimeFigureOut">
               <a:rPr lang="en-US" smtClean="0"/>
-              <a:t>5/31/2020</a:t>
+              <a:t>6/1/2020</a:t>
             </a:fld>
             <a:endParaRPr lang="en-US"/>
           </a:p>
@@ -2232,7 +2316,7 @@
           <a:p>
             <a:fld id="{BA72A7E1-1664-4426-A954-E74E52AF2254}" type="datetimeFigureOut">
               <a:rPr lang="en-US" smtClean="0"/>
-              <a:t>5/31/2020</a:t>
+              <a:t>6/1/2020</a:t>
             </a:fld>
             <a:endParaRPr lang="en-US"/>
           </a:p>
@@ -2333,7 +2417,7 @@
           <a:p>
             <a:fld id="{BA72A7E1-1664-4426-A954-E74E52AF2254}" type="datetimeFigureOut">
               <a:rPr lang="en-US" smtClean="0"/>
-              <a:t>5/31/2020</a:t>
+              <a:t>6/1/2020</a:t>
             </a:fld>
             <a:endParaRPr lang="en-US"/>
           </a:p>
@@ -2616,7 +2700,7 @@
           <a:p>
             <a:fld id="{BA72A7E1-1664-4426-A954-E74E52AF2254}" type="datetimeFigureOut">
               <a:rPr lang="en-US" smtClean="0"/>
-              <a:t>5/31/2020</a:t>
+              <a:t>6/1/2020</a:t>
             </a:fld>
             <a:endParaRPr lang="en-US"/>
           </a:p>
@@ -2879,7 +2963,7 @@
           <a:p>
             <a:fld id="{BA72A7E1-1664-4426-A954-E74E52AF2254}" type="datetimeFigureOut">
               <a:rPr lang="en-US" smtClean="0"/>
-              <a:t>5/31/2020</a:t>
+              <a:t>6/1/2020</a:t>
             </a:fld>
             <a:endParaRPr lang="en-US"/>
           </a:p>
@@ -3098,7 +3182,7 @@
           <a:p>
             <a:fld id="{BA72A7E1-1664-4426-A954-E74E52AF2254}" type="datetimeFigureOut">
               <a:rPr lang="en-US" smtClean="0"/>
-              <a:t>5/31/2020</a:t>
+              <a:t>6/1/2020</a:t>
             </a:fld>
             <a:endParaRPr lang="en-US"/>
           </a:p>
@@ -9925,11 +10009,6 @@
               </a:rPr>
               <a:t>'Hello ' + name</a:t>
             </a:r>
-            <a:endParaRPr lang="en-US" dirty="0">
-              <a:solidFill>
-                <a:srgbClr val="92D050"/>
-              </a:solidFill>
-            </a:endParaRPr>
           </a:p>
         </p:txBody>
       </p:sp>
@@ -10456,16 +10535,7 @@
                 </a:solidFill>
                 <a:latin typeface="+mj-lt"/>
               </a:rPr>
-              <a:t> and efficient </a:t>
-            </a:r>
-            <a:r>
-              <a:rPr lang="en-US" sz="4400" dirty="0" smtClean="0">
-                <a:solidFill>
-                  <a:schemeClr val="tx1"/>
-                </a:solidFill>
-                <a:latin typeface="+mj-lt"/>
-              </a:rPr>
-              <a:t>Python</a:t>
+              <a:t> and efficient Python</a:t>
             </a:r>
             <a:endParaRPr lang="en-US" sz="4400" dirty="0">
               <a:solidFill>
@@ -11103,8 +11173,19 @@
             <a:pPr lvl="1"/>
             <a:r>
               <a:rPr lang="en-US" dirty="0" smtClean="0"/>
-              <a:t>it will be faster, as it may be executing compiled C</a:t>
-            </a:r>
+              <a:t>it will be faster, as it may be executing compiled </a:t>
+            </a:r>
+            <a:r>
+              <a:rPr lang="en-US" dirty="0" smtClean="0"/>
+              <a:t>C</a:t>
+            </a:r>
+          </a:p>
+          <a:p>
+            <a:r>
+              <a:rPr lang="en-US" dirty="0" smtClean="0"/>
+              <a:t>Convert datasets from CSV to binary</a:t>
+            </a:r>
+            <a:endParaRPr lang="en-US" dirty="0" smtClean="0"/>
           </a:p>
           <a:p>
             <a:pPr lvl="1"/>
@@ -11334,6 +11415,67 @@
                                           <p:spTgt spid="6">
                                             <p:txEl>
                                               <p:pRg st="3" end="3"/>
+                                            </p:txEl>
+                                          </p:spTgt>
+                                        </p:tgtEl>
+                                      </p:cBhvr>
+                                    </p:animEffect>
+                                  </p:childTnLst>
+                                </p:cTn>
+                              </p:par>
+                            </p:childTnLst>
+                          </p:cTn>
+                        </p:par>
+                      </p:childTnLst>
+                    </p:cTn>
+                  </p:par>
+                  <p:par>
+                    <p:cTn id="19" fill="hold">
+                      <p:stCondLst>
+                        <p:cond delay="indefinite"/>
+                      </p:stCondLst>
+                      <p:childTnLst>
+                        <p:par>
+                          <p:cTn id="20" fill="hold">
+                            <p:stCondLst>
+                              <p:cond delay="0"/>
+                            </p:stCondLst>
+                            <p:childTnLst>
+                              <p:par>
+                                <p:cTn id="21" presetID="10" presetClass="entr" presetSubtype="0" fill="hold" grpId="0" nodeType="clickEffect">
+                                  <p:stCondLst>
+                                    <p:cond delay="0"/>
+                                  </p:stCondLst>
+                                  <p:childTnLst>
+                                    <p:set>
+                                      <p:cBhvr>
+                                        <p:cTn id="22" dur="1" fill="hold">
+                                          <p:stCondLst>
+                                            <p:cond delay="0"/>
+                                          </p:stCondLst>
+                                        </p:cTn>
+                                        <p:tgtEl>
+                                          <p:spTgt spid="6">
+                                            <p:txEl>
+                                              <p:pRg st="4" end="4"/>
+                                            </p:txEl>
+                                          </p:spTgt>
+                                        </p:tgtEl>
+                                        <p:attrNameLst>
+                                          <p:attrName>style.visibility</p:attrName>
+                                        </p:attrNameLst>
+                                      </p:cBhvr>
+                                      <p:to>
+                                        <p:strVal val="visible"/>
+                                      </p:to>
+                                    </p:set>
+                                    <p:animEffect transition="in" filter="fade">
+                                      <p:cBhvr>
+                                        <p:cTn id="23" dur="500"/>
+                                        <p:tgtEl>
+                                          <p:spTgt spid="6">
+                                            <p:txEl>
+                                              <p:pRg st="4" end="4"/>
                                             </p:txEl>
                                           </p:spTgt>
                                         </p:tgtEl>
@@ -12569,13 +12711,8 @@
             <a:pPr lvl="1"/>
             <a:r>
               <a:rPr lang="en-US" dirty="0" smtClean="0"/>
-              <a:t>e</a:t>
-            </a:r>
-            <a:r>
-              <a:rPr lang="en-US" dirty="0" smtClean="0"/>
-              <a:t>ditor</a:t>
-            </a:r>
-            <a:endParaRPr lang="en-US" dirty="0" smtClean="0"/>
+              <a:t>editor</a:t>
+            </a:r>
           </a:p>
           <a:p>
             <a:pPr lvl="1"/>
@@ -12609,11 +12746,7 @@
             </a:r>
             <a:r>
               <a:rPr lang="en-US" dirty="0" smtClean="0"/>
-              <a:t>roject </a:t>
-            </a:r>
-            <a:r>
-              <a:rPr lang="en-US" dirty="0" smtClean="0"/>
-              <a:t>organization tools</a:t>
+              <a:t>roject organization tools</a:t>
             </a:r>
           </a:p>
           <a:p>
@@ -12623,11 +12756,7 @@
             </a:r>
             <a:r>
               <a:rPr lang="en-US" dirty="0" smtClean="0"/>
-              <a:t>xamples</a:t>
-            </a:r>
-            <a:r>
-              <a:rPr lang="en-US" dirty="0" smtClean="0"/>
-              <a:t>: </a:t>
+              <a:t>xamples: </a:t>
             </a:r>
           </a:p>
           <a:p>
@@ -12692,11 +12821,7 @@
             </a:r>
             <a:r>
               <a:rPr lang="en-US" dirty="0" smtClean="0"/>
-              <a:t>rincipally </a:t>
-            </a:r>
-            <a:r>
-              <a:rPr lang="en-US" dirty="0" smtClean="0"/>
-              <a:t>designed to edit text</a:t>
+              <a:t>rincipally designed to edit text</a:t>
             </a:r>
           </a:p>
           <a:p>
@@ -12706,11 +12831,7 @@
             </a:r>
             <a:r>
               <a:rPr lang="en-US" dirty="0" smtClean="0"/>
-              <a:t>xamples</a:t>
-            </a:r>
-            <a:r>
-              <a:rPr lang="en-US" dirty="0" smtClean="0"/>
-              <a:t>: </a:t>
+              <a:t>xamples: </a:t>
             </a:r>
           </a:p>
           <a:p>
@@ -12764,11 +12885,7 @@
             </a:r>
             <a:r>
               <a:rPr lang="en-US" dirty="0" smtClean="0"/>
-              <a:t>lugins</a:t>
-            </a:r>
-            <a:r>
-              <a:rPr lang="en-US" dirty="0" smtClean="0"/>
-              <a:t>!</a:t>
+              <a:t>lugins!</a:t>
             </a:r>
             <a:endParaRPr lang="en-US" dirty="0"/>
           </a:p>
@@ -13717,7 +13834,6 @@
               <a:rPr lang="en-US" dirty="0" smtClean="0"/>
               <a:t>xploration</a:t>
             </a:r>
-            <a:endParaRPr lang="en-US" dirty="0" smtClean="0"/>
           </a:p>
           <a:p>
             <a:pPr lvl="1"/>
@@ -13729,7 +13845,6 @@
               <a:rPr lang="en-US" dirty="0" smtClean="0"/>
               <a:t>isualization</a:t>
             </a:r>
-            <a:endParaRPr lang="en-US" dirty="0" smtClean="0"/>
           </a:p>
           <a:p>
             <a:pPr lvl="1"/>
@@ -13741,7 +13856,6 @@
               <a:rPr lang="en-US" dirty="0" smtClean="0"/>
               <a:t>resentations</a:t>
             </a:r>
-            <a:endParaRPr lang="en-US" dirty="0" smtClean="0"/>
           </a:p>
           <a:p>
             <a:pPr lvl="1"/>
@@ -13751,11 +13865,7 @@
             </a:r>
             <a:r>
               <a:rPr lang="en-US" dirty="0" smtClean="0"/>
-              <a:t>esult </a:t>
-            </a:r>
-            <a:r>
-              <a:rPr lang="en-US" dirty="0" smtClean="0"/>
-              <a:t>sharing</a:t>
+              <a:t>esult sharing</a:t>
             </a:r>
             <a:endParaRPr lang="en-US" dirty="0"/>
           </a:p>
@@ -13780,11 +13890,7 @@
           <a:p>
             <a:r>
               <a:rPr lang="en-US" dirty="0" smtClean="0"/>
-              <a:t>t</a:t>
-            </a:r>
-            <a:r>
-              <a:rPr lang="en-US" dirty="0" smtClean="0"/>
-              <a:t>hings </a:t>
+              <a:t>things </a:t>
             </a:r>
             <a:r>
               <a:rPr lang="en-US" dirty="0" err="1" smtClean="0"/>
@@ -13803,11 +13909,7 @@
             </a:r>
             <a:r>
               <a:rPr lang="en-US" dirty="0" smtClean="0"/>
-              <a:t>ode </a:t>
-            </a:r>
-            <a:r>
-              <a:rPr lang="en-US" dirty="0" smtClean="0"/>
-              <a:t>development</a:t>
+              <a:t>ode development</a:t>
             </a:r>
           </a:p>
           <a:p>
@@ -13817,22 +13919,14 @@
             </a:r>
             <a:r>
               <a:rPr lang="en-US" dirty="0" smtClean="0"/>
-              <a:t>hy</a:t>
-            </a:r>
+              <a:t>hy?</a:t>
+            </a:r>
+          </a:p>
+          <a:p>
+            <a:pPr lvl="1"/>
             <a:r>
               <a:rPr lang="en-US" dirty="0" smtClean="0"/>
-              <a:t>?</a:t>
-            </a:r>
-          </a:p>
-          <a:p>
-            <a:pPr lvl="1"/>
-            <a:r>
-              <a:rPr lang="en-US" dirty="0" smtClean="0"/>
-              <a:t>hidden </a:t>
-            </a:r>
-            <a:r>
-              <a:rPr lang="en-US" dirty="0" smtClean="0"/>
-              <a:t>states</a:t>
+              <a:t>hidden states</a:t>
             </a:r>
           </a:p>
           <a:p>
@@ -13843,11 +13937,7 @@
             </a:r>
             <a:r>
               <a:rPr lang="en-US" dirty="0" smtClean="0"/>
-              <a:t>ut-of-order </a:t>
-            </a:r>
-            <a:r>
-              <a:rPr lang="en-US" dirty="0" smtClean="0"/>
-              <a:t>execution</a:t>
+              <a:t>ut-of-order execution</a:t>
             </a:r>
           </a:p>
           <a:p>
@@ -13858,11 +13948,7 @@
             </a:r>
             <a:r>
               <a:rPr lang="en-US" dirty="0" smtClean="0"/>
-              <a:t>odularity</a:t>
-            </a:r>
-            <a:r>
-              <a:rPr lang="en-US" dirty="0" smtClean="0"/>
-              <a:t>? What’s that?</a:t>
+              <a:t>odularity? What’s that?</a:t>
             </a:r>
           </a:p>
           <a:p>
@@ -13872,26 +13958,14 @@
             </a:r>
             <a:r>
               <a:rPr lang="en-US" dirty="0" smtClean="0"/>
-              <a:t>olution</a:t>
-            </a:r>
+              <a:t>olution:</a:t>
+            </a:r>
+          </a:p>
+          <a:p>
+            <a:pPr lvl="1"/>
             <a:r>
               <a:rPr lang="en-US" dirty="0" smtClean="0"/>
-              <a:t>:</a:t>
-            </a:r>
-          </a:p>
-          <a:p>
-            <a:pPr lvl="1"/>
-            <a:r>
-              <a:rPr lang="en-US" dirty="0" smtClean="0"/>
-              <a:t>d</a:t>
-            </a:r>
-            <a:r>
-              <a:rPr lang="en-US" dirty="0" smtClean="0"/>
-              <a:t>o </a:t>
-            </a:r>
-            <a:r>
-              <a:rPr lang="en-US" dirty="0" smtClean="0"/>
-              <a:t>code development outside of </a:t>
+              <a:t>do code development outside of </a:t>
             </a:r>
             <a:r>
               <a:rPr lang="en-US" dirty="0" err="1" smtClean="0"/>
@@ -13907,11 +13981,7 @@
             </a:r>
             <a:r>
               <a:rPr lang="en-US" dirty="0" smtClean="0"/>
-              <a:t>mport </a:t>
-            </a:r>
-            <a:r>
-              <a:rPr lang="en-US" dirty="0" smtClean="0"/>
-              <a:t>finished code for presentation</a:t>
+              <a:t>mport finished code for presentation</a:t>
             </a:r>
           </a:p>
           <a:p>
@@ -14712,11 +14782,7 @@
             </a:r>
             <a:r>
               <a:rPr lang="en-US" dirty="0" smtClean="0"/>
-              <a:t>n </a:t>
-            </a:r>
-            <a:r>
-              <a:rPr lang="en-US" dirty="0" smtClean="0"/>
-              <a:t>encapsulated Python environment containing:</a:t>
+              <a:t>n encapsulated Python environment containing:</a:t>
             </a:r>
           </a:p>
           <a:p>
@@ -14732,7 +14798,6 @@
               <a:rPr lang="en-US" dirty="0" smtClean="0"/>
               <a:t>libraries</a:t>
             </a:r>
-            <a:endParaRPr lang="en-US" dirty="0" smtClean="0"/>
           </a:p>
           <a:p>
             <a:pPr lvl="1"/>
@@ -14744,16 +14809,11 @@
               <a:rPr lang="en-US" dirty="0" smtClean="0"/>
               <a:t>ode</a:t>
             </a:r>
-            <a:endParaRPr lang="en-US" dirty="0" smtClean="0"/>
           </a:p>
           <a:p>
             <a:r>
               <a:rPr lang="en-US" dirty="0" smtClean="0"/>
-              <a:t>can </a:t>
-            </a:r>
-            <a:r>
-              <a:rPr lang="en-US" dirty="0" smtClean="0"/>
-              <a:t>be shared</a:t>
+              <a:t>can be shared</a:t>
             </a:r>
           </a:p>
           <a:p>
@@ -14763,15 +14823,7 @@
             </a:r>
             <a:r>
               <a:rPr lang="en-US" dirty="0" smtClean="0"/>
-              <a:t>reat </a:t>
-            </a:r>
-            <a:r>
-              <a:rPr lang="en-US" dirty="0" smtClean="0"/>
-              <a:t>for program </a:t>
-            </a:r>
-            <a:r>
-              <a:rPr lang="en-US" dirty="0" smtClean="0"/>
-              <a:t>maintenance</a:t>
+              <a:t>reat for program maintenance</a:t>
             </a:r>
           </a:p>
           <a:p>
@@ -16034,19 +16086,7 @@
                 <a:ea typeface="+mj-ea"/>
                 <a:cs typeface="+mj-cs"/>
               </a:rPr>
-              <a:t>Version </a:t>
-            </a:r>
-            <a:r>
-              <a:rPr lang="en-US" sz="4400" kern="1200" dirty="0" smtClean="0">
-                <a:solidFill>
-                  <a:schemeClr val="tx1"/>
-                </a:solidFill>
-                <a:effectLst/>
-                <a:latin typeface="+mj-lt"/>
-                <a:ea typeface="+mj-ea"/>
-                <a:cs typeface="+mj-cs"/>
-              </a:rPr>
-              <a:t>control</a:t>
+              <a:t>Version control</a:t>
             </a:r>
             <a:endParaRPr lang="en-US" dirty="0"/>
           </a:p>

--- a/presentation/Data Scientists Code Development Workshop I.pptx
+++ b/presentation/Data Scientists Code Development Workshop I.pptx
@@ -5349,6 +5349,13 @@
   <p:clrMapOvr>
     <a:masterClrMapping/>
   </p:clrMapOvr>
+  <p:timing>
+    <p:tnLst>
+      <p:par>
+        <p:cTn id="1" dur="indefinite" restart="never" nodeType="tmRoot"/>
+      </p:par>
+    </p:tnLst>
+  </p:timing>
 </p:sld>
 </file>
 
@@ -6126,8 +6133,12 @@
           <a:p>
             <a:pPr lvl="1"/>
             <a:r>
+              <a:rPr lang="en-US" smtClean="0"/>
+              <a:t>Readme.md </a:t>
+            </a:r>
+            <a:r>
               <a:rPr lang="en-US" dirty="0" smtClean="0"/>
-              <a:t>Readme.me – top-level description of the repository</a:t>
+              <a:t>– top-level description of the repository</a:t>
             </a:r>
           </a:p>
           <a:p>
@@ -11173,11 +11184,7 @@
             <a:pPr lvl="1"/>
             <a:r>
               <a:rPr lang="en-US" dirty="0" smtClean="0"/>
-              <a:t>it will be faster, as it may be executing compiled </a:t>
-            </a:r>
-            <a:r>
-              <a:rPr lang="en-US" dirty="0" smtClean="0"/>
-              <a:t>C</a:t>
+              <a:t>it will be faster, as it may be executing compiled C</a:t>
             </a:r>
           </a:p>
           <a:p>
@@ -11185,7 +11192,6 @@
               <a:rPr lang="en-US" dirty="0" smtClean="0"/>
               <a:t>Convert datasets from CSV to binary</a:t>
             </a:r>
-            <a:endParaRPr lang="en-US" dirty="0" smtClean="0"/>
           </a:p>
           <a:p>
             <a:pPr lvl="1"/>
